--- a/Automated Supermarket Checkout System (AutoScouts).pptx
+++ b/Automated Supermarket Checkout System (AutoScouts).pptx
@@ -265,7 +265,7 @@
         </pc:picChg>
       </pc:sldChg>
       <pc:sldChg chg="addSp delSp modSp ord">
-        <pc:chgData name="Jordan Coe" userId="39bdc042ca981f31" providerId="LiveId" clId="{F7A0F200-3B9F-4606-9110-7D58402D1763}" dt="2017-11-09T22:13:17.748" v="32"/>
+        <pc:chgData name="Jordan Coe" userId="39bdc042ca981f31" providerId="LiveId" clId="{F7A0F200-3B9F-4606-9110-7D58402D1763}" dt="2017-11-09T22:13:17.748" v="32" actId="14100"/>
         <pc:sldMkLst>
           <pc:docMk/>
           <pc:sldMk cId="682307630" sldId="264"/>
@@ -673,6 +673,105 @@
       </pc:sldChg>
     </pc:docChg>
   </pc:docChgLst>
+  <pc:docChgLst>
+    <pc:chgData name="Jordan Coe" userId="39bdc042ca981f31" providerId="LiveId" clId="{917840C8-03E0-4A9C-A319-C7709AC35AB6}"/>
+    <pc:docChg chg="custSel modSld">
+      <pc:chgData name="Jordan Coe" userId="39bdc042ca981f31" providerId="LiveId" clId="{917840C8-03E0-4A9C-A319-C7709AC35AB6}" dt="2017-11-19T01:27:44.121" v="1607" actId="20577"/>
+      <pc:docMkLst>
+        <pc:docMk/>
+      </pc:docMkLst>
+      <pc:sldChg chg="modSp">
+        <pc:chgData name="Jordan Coe" userId="39bdc042ca981f31" providerId="LiveId" clId="{917840C8-03E0-4A9C-A319-C7709AC35AB6}" dt="2017-11-19T00:43:10.766" v="379" actId="20577"/>
+        <pc:sldMkLst>
+          <pc:docMk/>
+          <pc:sldMk cId="1745765354" sldId="261"/>
+        </pc:sldMkLst>
+        <pc:spChg chg="mod">
+          <ac:chgData name="Jordan Coe" userId="39bdc042ca981f31" providerId="LiveId" clId="{917840C8-03E0-4A9C-A319-C7709AC35AB6}" dt="2017-11-19T00:43:10.766" v="379" actId="20577"/>
+          <ac:spMkLst>
+            <pc:docMk/>
+            <pc:sldMk cId="1745765354" sldId="261"/>
+            <ac:spMk id="3" creationId="{77E96D7F-6D16-494B-98E4-B109EF785639}"/>
+          </ac:spMkLst>
+        </pc:spChg>
+      </pc:sldChg>
+      <pc:sldChg chg="modSp">
+        <pc:chgData name="Jordan Coe" userId="39bdc042ca981f31" providerId="LiveId" clId="{917840C8-03E0-4A9C-A319-C7709AC35AB6}" dt="2017-11-19T01:07:07.040" v="965" actId="20577"/>
+        <pc:sldMkLst>
+          <pc:docMk/>
+          <pc:sldMk cId="3881356155" sldId="265"/>
+        </pc:sldMkLst>
+        <pc:spChg chg="mod">
+          <ac:chgData name="Jordan Coe" userId="39bdc042ca981f31" providerId="LiveId" clId="{917840C8-03E0-4A9C-A319-C7709AC35AB6}" dt="2017-11-19T01:07:07.040" v="965" actId="20577"/>
+          <ac:spMkLst>
+            <pc:docMk/>
+            <pc:sldMk cId="3881356155" sldId="265"/>
+            <ac:spMk id="3" creationId="{16A37D4E-6B97-4AC1-8165-F8292C09D4F1}"/>
+          </ac:spMkLst>
+        </pc:spChg>
+      </pc:sldChg>
+      <pc:sldChg chg="modSp">
+        <pc:chgData name="Jordan Coe" userId="39bdc042ca981f31" providerId="LiveId" clId="{917840C8-03E0-4A9C-A319-C7709AC35AB6}" dt="2017-11-19T01:16:40.778" v="1418" actId="20577"/>
+        <pc:sldMkLst>
+          <pc:docMk/>
+          <pc:sldMk cId="1560029696" sldId="269"/>
+        </pc:sldMkLst>
+        <pc:spChg chg="mod">
+          <ac:chgData name="Jordan Coe" userId="39bdc042ca981f31" providerId="LiveId" clId="{917840C8-03E0-4A9C-A319-C7709AC35AB6}" dt="2017-11-19T01:16:40.778" v="1418" actId="20577"/>
+          <ac:spMkLst>
+            <pc:docMk/>
+            <pc:sldMk cId="1560029696" sldId="269"/>
+            <ac:spMk id="3" creationId="{AC5F03CF-E278-4C09-B221-16448F502E21}"/>
+          </ac:spMkLst>
+        </pc:spChg>
+      </pc:sldChg>
+      <pc:sldChg chg="modSp">
+        <pc:chgData name="Jordan Coe" userId="39bdc042ca981f31" providerId="LiveId" clId="{917840C8-03E0-4A9C-A319-C7709AC35AB6}" dt="2017-11-19T01:17:20.084" v="1433" actId="20577"/>
+        <pc:sldMkLst>
+          <pc:docMk/>
+          <pc:sldMk cId="201249221" sldId="273"/>
+        </pc:sldMkLst>
+        <pc:spChg chg="mod">
+          <ac:chgData name="Jordan Coe" userId="39bdc042ca981f31" providerId="LiveId" clId="{917840C8-03E0-4A9C-A319-C7709AC35AB6}" dt="2017-11-19T01:17:20.084" v="1433" actId="20577"/>
+          <ac:spMkLst>
+            <pc:docMk/>
+            <pc:sldMk cId="201249221" sldId="273"/>
+            <ac:spMk id="3" creationId="{058C8FFA-7080-4EA4-84AD-CAA69E355B9F}"/>
+          </ac:spMkLst>
+        </pc:spChg>
+      </pc:sldChg>
+      <pc:sldChg chg="modSp">
+        <pc:chgData name="Jordan Coe" userId="39bdc042ca981f31" providerId="LiveId" clId="{917840C8-03E0-4A9C-A319-C7709AC35AB6}" dt="2017-11-19T01:23:08.161" v="1571" actId="20577"/>
+        <pc:sldMkLst>
+          <pc:docMk/>
+          <pc:sldMk cId="4021258348" sldId="277"/>
+        </pc:sldMkLst>
+        <pc:spChg chg="mod">
+          <ac:chgData name="Jordan Coe" userId="39bdc042ca981f31" providerId="LiveId" clId="{917840C8-03E0-4A9C-A319-C7709AC35AB6}" dt="2017-11-19T01:23:08.161" v="1571" actId="20577"/>
+          <ac:spMkLst>
+            <pc:docMk/>
+            <pc:sldMk cId="4021258348" sldId="277"/>
+            <ac:spMk id="3" creationId="{3375A4C5-24C8-4542-A1B9-424846409936}"/>
+          </ac:spMkLst>
+        </pc:spChg>
+      </pc:sldChg>
+      <pc:sldChg chg="modSp">
+        <pc:chgData name="Jordan Coe" userId="39bdc042ca981f31" providerId="LiveId" clId="{917840C8-03E0-4A9C-A319-C7709AC35AB6}" dt="2017-11-19T01:27:44.121" v="1607" actId="20577"/>
+        <pc:sldMkLst>
+          <pc:docMk/>
+          <pc:sldMk cId="2974739886" sldId="280"/>
+        </pc:sldMkLst>
+        <pc:spChg chg="mod">
+          <ac:chgData name="Jordan Coe" userId="39bdc042ca981f31" providerId="LiveId" clId="{917840C8-03E0-4A9C-A319-C7709AC35AB6}" dt="2017-11-19T01:27:44.121" v="1607" actId="20577"/>
+          <ac:spMkLst>
+            <pc:docMk/>
+            <pc:sldMk cId="2974739886" sldId="280"/>
+            <ac:spMk id="3" creationId="{7749A04D-1A7E-444D-BA31-5DDFCA67A626}"/>
+          </ac:spMkLst>
+        </pc:spChg>
+      </pc:sldChg>
+    </pc:docChg>
+  </pc:docChgLst>
 </pc:chgInfo>
 </file>
 
@@ -823,7 +922,7 @@
           <a:p>
             <a:fld id="{4CB8761A-D97C-4ED5-8951-7058EB60185F}" type="datetimeFigureOut">
               <a:rPr lang="en-US" smtClean="0"/>
-              <a:t>11/9/2017</a:t>
+              <a:t>11/18/2017</a:t>
             </a:fld>
             <a:endParaRPr lang="en-US"/>
           </a:p>
@@ -1021,7 +1120,7 @@
           <a:p>
             <a:fld id="{4CB8761A-D97C-4ED5-8951-7058EB60185F}" type="datetimeFigureOut">
               <a:rPr lang="en-US" smtClean="0"/>
-              <a:t>11/9/2017</a:t>
+              <a:t>11/18/2017</a:t>
             </a:fld>
             <a:endParaRPr lang="en-US"/>
           </a:p>
@@ -1229,7 +1328,7 @@
           <a:p>
             <a:fld id="{4CB8761A-D97C-4ED5-8951-7058EB60185F}" type="datetimeFigureOut">
               <a:rPr lang="en-US" smtClean="0"/>
-              <a:t>11/9/2017</a:t>
+              <a:t>11/18/2017</a:t>
             </a:fld>
             <a:endParaRPr lang="en-US"/>
           </a:p>
@@ -1427,7 +1526,7 @@
           <a:p>
             <a:fld id="{4CB8761A-D97C-4ED5-8951-7058EB60185F}" type="datetimeFigureOut">
               <a:rPr lang="en-US" smtClean="0"/>
-              <a:t>11/9/2017</a:t>
+              <a:t>11/18/2017</a:t>
             </a:fld>
             <a:endParaRPr lang="en-US"/>
           </a:p>
@@ -1702,7 +1801,7 @@
           <a:p>
             <a:fld id="{4CB8761A-D97C-4ED5-8951-7058EB60185F}" type="datetimeFigureOut">
               <a:rPr lang="en-US" smtClean="0"/>
-              <a:t>11/9/2017</a:t>
+              <a:t>11/18/2017</a:t>
             </a:fld>
             <a:endParaRPr lang="en-US"/>
           </a:p>
@@ -1967,7 +2066,7 @@
           <a:p>
             <a:fld id="{4CB8761A-D97C-4ED5-8951-7058EB60185F}" type="datetimeFigureOut">
               <a:rPr lang="en-US" smtClean="0"/>
-              <a:t>11/9/2017</a:t>
+              <a:t>11/18/2017</a:t>
             </a:fld>
             <a:endParaRPr lang="en-US"/>
           </a:p>
@@ -2379,7 +2478,7 @@
           <a:p>
             <a:fld id="{4CB8761A-D97C-4ED5-8951-7058EB60185F}" type="datetimeFigureOut">
               <a:rPr lang="en-US" smtClean="0"/>
-              <a:t>11/9/2017</a:t>
+              <a:t>11/18/2017</a:t>
             </a:fld>
             <a:endParaRPr lang="en-US"/>
           </a:p>
@@ -2520,7 +2619,7 @@
           <a:p>
             <a:fld id="{4CB8761A-D97C-4ED5-8951-7058EB60185F}" type="datetimeFigureOut">
               <a:rPr lang="en-US" smtClean="0"/>
-              <a:t>11/9/2017</a:t>
+              <a:t>11/18/2017</a:t>
             </a:fld>
             <a:endParaRPr lang="en-US"/>
           </a:p>
@@ -2633,7 +2732,7 @@
           <a:p>
             <a:fld id="{4CB8761A-D97C-4ED5-8951-7058EB60185F}" type="datetimeFigureOut">
               <a:rPr lang="en-US" smtClean="0"/>
-              <a:t>11/9/2017</a:t>
+              <a:t>11/18/2017</a:t>
             </a:fld>
             <a:endParaRPr lang="en-US"/>
           </a:p>
@@ -2944,7 +3043,7 @@
           <a:p>
             <a:fld id="{4CB8761A-D97C-4ED5-8951-7058EB60185F}" type="datetimeFigureOut">
               <a:rPr lang="en-US" smtClean="0"/>
-              <a:t>11/9/2017</a:t>
+              <a:t>11/18/2017</a:t>
             </a:fld>
             <a:endParaRPr lang="en-US"/>
           </a:p>
@@ -3232,7 +3331,7 @@
           <a:p>
             <a:fld id="{4CB8761A-D97C-4ED5-8951-7058EB60185F}" type="datetimeFigureOut">
               <a:rPr lang="en-US" smtClean="0"/>
-              <a:t>11/9/2017</a:t>
+              <a:t>11/18/2017</a:t>
             </a:fld>
             <a:endParaRPr lang="en-US"/>
           </a:p>
@@ -3473,7 +3572,7 @@
           <a:p>
             <a:fld id="{4CB8761A-D97C-4ED5-8951-7058EB60185F}" type="datetimeFigureOut">
               <a:rPr lang="en-US" smtClean="0"/>
-              <a:t>11/9/2017</a:t>
+              <a:t>11/18/2017</a:t>
             </a:fld>
             <a:endParaRPr lang="en-US"/>
           </a:p>
@@ -4057,22 +4156,14 @@
             <a:pPr lvl="1"/>
             <a:r>
               <a:rPr lang="en-US" dirty="0"/>
-              <a:t>&lt;&lt;Interface&gt;&gt; </a:t>
-            </a:r>
-            <a:r>
-              <a:rPr lang="en-US" dirty="0" err="1"/>
-              <a:t>PaybyCash</a:t>
-            </a:r>
+              <a:t>&lt;&lt;Interface&gt;&gt; Bit Coin Reader – User inserts cash or coins and the bit coin reader takes that cash and outputs the amount to the program</a:t>
+            </a:r>
+          </a:p>
+          <a:p>
+            <a:pPr lvl="1"/>
             <a:r>
               <a:rPr lang="en-US" dirty="0"/>
-              <a:t> – main interface of the Pay by Cash use case. This will tell the user the total of their purchase, and the user will insert cash. This will also print receipt and give change</a:t>
-            </a:r>
-          </a:p>
-          <a:p>
-            <a:pPr lvl="1"/>
-            <a:r>
-              <a:rPr lang="en-US" dirty="0"/>
-              <a:t>&lt;&lt;Interface&gt;&gt; Checkout Order – This class will do simple operations to give back change and to print receipt.</a:t>
+              <a:t>&lt;&lt;business logic&gt;&gt; Payment – Does some basic math, computes the change that will be given back to the customer, also prints the receipt that contains authorization number, payment info, and items bought</a:t>
             </a:r>
           </a:p>
         </p:txBody>
@@ -4469,15 +4560,26 @@
             <a:pPr lvl="1"/>
             <a:r>
               <a:rPr lang="en-US" dirty="0"/>
-              <a:t>&lt;&lt;Interface&gt;&gt; Interface – This is the main interface for the restock product inventory use case. This will allow the user to enter the item name, quantity, it will also allow the user to enter item description and discount info if needed.</a:t>
+              <a:t>&lt;&lt;Interface&gt;&gt; Scanner – Scans the barcode of the item to look up item information.</a:t>
             </a:r>
           </a:p>
           <a:p>
             <a:pPr lvl="1"/>
             <a:r>
               <a:rPr lang="en-US" dirty="0"/>
-              <a:t>&lt;&lt;entity&gt;&gt; Inventory Database – Database for all the items in the store. Will update with the info from the interface class.</a:t>
-            </a:r>
+              <a:t>&lt;&lt;interface&gt;&gt; Interface – Interface is the basic interface that will display item information and allow the user to restock product inventory</a:t>
+            </a:r>
+          </a:p>
+          <a:p>
+            <a:pPr lvl="1"/>
+            <a:r>
+              <a:rPr lang="en-US" dirty="0"/>
+              <a:t>&lt;&lt;entity&gt;&gt; Inventory Database – Stores all inventory data. Allows for removal, addition, and change of items</a:t>
+            </a:r>
+          </a:p>
+          <a:p>
+            <a:pPr lvl="1"/>
+            <a:endParaRPr lang="en-US" dirty="0"/>
           </a:p>
         </p:txBody>
       </p:sp>
@@ -4857,7 +4959,7 @@
             <a:pPr lvl="1"/>
             <a:r>
               <a:rPr lang="en-US" dirty="0"/>
-              <a:t>&lt;&lt;interface&gt;&gt; View Interface – Is the main interface class. Will allow manager to input item name, description, and discount info. </a:t>
+              <a:t>&lt;&lt;interface&gt;&gt; View Inventory – Is the main interface class. Will allow manager to input item name, description, and discount info. </a:t>
             </a:r>
           </a:p>
           <a:p>
@@ -4865,13 +4967,6 @@
             <a:r>
               <a:rPr lang="en-US" dirty="0"/>
               <a:t>&lt;&lt;entity&gt;&gt; Inventory Database – Holds all item info. Will either output item details or update item details</a:t>
-            </a:r>
-          </a:p>
-          <a:p>
-            <a:pPr lvl="1"/>
-            <a:r>
-              <a:rPr lang="en-US" dirty="0"/>
-              <a:t>&lt;&lt;interface&gt;&gt; Update Interface – This is the intermediate class between view interface and inventory database. </a:t>
             </a:r>
           </a:p>
         </p:txBody>
@@ -5385,7 +5480,7 @@
             <a:pPr lvl="1"/>
             <a:r>
               <a:rPr lang="en-US" dirty="0"/>
-              <a:t>&lt;&lt;Control&gt;&gt; System – The system class will receive information about item sold and revenue. It will then send this information to the printer to get printed.</a:t>
+              <a:t>&lt;&lt;Control&gt;&gt; Timer Interface – The system class will receive information about item sold and revenue. It will then send this information to the printer to get printed.</a:t>
             </a:r>
           </a:p>
           <a:p>
@@ -5393,6 +5488,13 @@
             <a:r>
               <a:rPr lang="en-US" dirty="0"/>
               <a:t>&lt;&lt;Interface&gt;&gt; Printer – Hardware that will print the information given to it by the system at midnight.</a:t>
+            </a:r>
+          </a:p>
+          <a:p>
+            <a:pPr lvl="1"/>
+            <a:r>
+              <a:rPr lang="en-US" dirty="0"/>
+              <a:t>&lt;&lt;business logic&gt;&gt; Make Report- Creates the daily report by using data from the Inventory Database</a:t>
             </a:r>
           </a:p>
         </p:txBody>
@@ -5773,14 +5875,21 @@
             <a:pPr lvl="1"/>
             <a:r>
               <a:rPr lang="en-US" dirty="0"/>
-              <a:t>&lt;&lt;Interface&gt;&gt; Print Inventory Message – This class will receive the information to be printed, and send this information to the printer.</a:t>
+              <a:t>&lt;&lt;Control&gt;&gt; Timer Interface – The system class will receive information about item sold and revenue. It will then send this information to the printer to get printed.</a:t>
             </a:r>
           </a:p>
           <a:p>
             <a:pPr lvl="1"/>
             <a:r>
               <a:rPr lang="en-US" dirty="0"/>
-              <a:t>&lt;&lt;Interface&gt;&gt; Printer – Similar to the Print Daily Report, printer will receive information from Print Inventory Message to be printed at midnight.</a:t>
+              <a:t>&lt;&lt;Interface&gt;&gt; Printer – Hardware that will print the information given to it by the system at midnight.</a:t>
+            </a:r>
+          </a:p>
+          <a:p>
+            <a:pPr lvl="1"/>
+            <a:r>
+              <a:rPr lang="en-US" dirty="0"/>
+              <a:t>&lt;&lt;business logic&gt;&gt; Make Report- Creates the inventory message by using data from the Inventory Database</a:t>
             </a:r>
           </a:p>
         </p:txBody>
@@ -6443,14 +6552,21 @@
             <a:pPr lvl="1"/>
             <a:r>
               <a:rPr lang="en-US" dirty="0"/>
-              <a:t>&lt;&lt;Interface&gt;&gt; Credit Card Process – Interface that the user will interactive with, asks users to enter card info, then sends it to the bank to authorize. </a:t>
+              <a:t>&lt;&lt;business logic&gt;&gt; Credit Card Process –  That the user will interactive with, asks users to enter card info, then sends it to the bank to authorize. </a:t>
             </a:r>
           </a:p>
           <a:p>
             <a:pPr lvl="1"/>
             <a:r>
               <a:rPr lang="en-US" dirty="0"/>
-              <a:t>&lt;&lt;entity&gt;&gt; Bank Database – Bank database that will hold all the accounts. This will check if the users info matches with the info in the databases. </a:t>
+              <a:t>&lt;&lt;entity&gt;&gt; Bank Interface – Sends request to the bank for approval. Bank outputs confirmation number</a:t>
+            </a:r>
+          </a:p>
+          <a:p>
+            <a:pPr lvl="1"/>
+            <a:r>
+              <a:rPr lang="en-US" dirty="0"/>
+              <a:t>&lt;&lt;interface&gt;&gt; Credit Card Reader – Hardware object where the customer swipes the credit card and the object reads the account information</a:t>
             </a:r>
           </a:p>
         </p:txBody>

--- a/Automated Supermarket Checkout System (AutoScouts).pptx
+++ b/Automated Supermarket Checkout System (AutoScouts).pptx
@@ -676,10 +676,25 @@
   <pc:docChgLst>
     <pc:chgData name="Jordan Coe" userId="39bdc042ca981f31" providerId="LiveId" clId="{917840C8-03E0-4A9C-A319-C7709AC35AB6}"/>
     <pc:docChg chg="custSel modSld">
-      <pc:chgData name="Jordan Coe" userId="39bdc042ca981f31" providerId="LiveId" clId="{917840C8-03E0-4A9C-A319-C7709AC35AB6}" dt="2017-11-19T01:27:44.121" v="1607" actId="20577"/>
+      <pc:chgData name="Jordan Coe" userId="39bdc042ca981f31" providerId="LiveId" clId="{917840C8-03E0-4A9C-A319-C7709AC35AB6}" dt="2017-11-29T22:17:29.860" v="1658" actId="1036"/>
       <pc:docMkLst>
         <pc:docMk/>
       </pc:docMkLst>
+      <pc:sldChg chg="modSp">
+        <pc:chgData name="Jordan Coe" userId="39bdc042ca981f31" providerId="LiveId" clId="{917840C8-03E0-4A9C-A319-C7709AC35AB6}" dt="2017-11-29T22:17:29.860" v="1658" actId="1036"/>
+        <pc:sldMkLst>
+          <pc:docMk/>
+          <pc:sldMk cId="483830210" sldId="258"/>
+        </pc:sldMkLst>
+        <pc:picChg chg="mod">
+          <ac:chgData name="Jordan Coe" userId="39bdc042ca981f31" providerId="LiveId" clId="{917840C8-03E0-4A9C-A319-C7709AC35AB6}" dt="2017-11-29T22:17:29.860" v="1658" actId="1036"/>
+          <ac:picMkLst>
+            <pc:docMk/>
+            <pc:sldMk cId="483830210" sldId="258"/>
+            <ac:picMk id="4" creationId="{5A3E3EB2-499B-40A8-9EC6-E95DE753E431}"/>
+          </ac:picMkLst>
+        </pc:picChg>
+      </pc:sldChg>
       <pc:sldChg chg="modSp">
         <pc:chgData name="Jordan Coe" userId="39bdc042ca981f31" providerId="LiveId" clId="{917840C8-03E0-4A9C-A319-C7709AC35AB6}" dt="2017-11-19T00:43:10.766" v="379" actId="20577"/>
         <pc:sldMkLst>
@@ -711,13 +726,13 @@
         </pc:spChg>
       </pc:sldChg>
       <pc:sldChg chg="modSp">
-        <pc:chgData name="Jordan Coe" userId="39bdc042ca981f31" providerId="LiveId" clId="{917840C8-03E0-4A9C-A319-C7709AC35AB6}" dt="2017-11-19T01:16:40.778" v="1418" actId="20577"/>
+        <pc:chgData name="Jordan Coe" userId="39bdc042ca981f31" providerId="LiveId" clId="{917840C8-03E0-4A9C-A319-C7709AC35AB6}" dt="2017-11-27T22:24:16.954" v="1646" actId="20577"/>
         <pc:sldMkLst>
           <pc:docMk/>
           <pc:sldMk cId="1560029696" sldId="269"/>
         </pc:sldMkLst>
         <pc:spChg chg="mod">
-          <ac:chgData name="Jordan Coe" userId="39bdc042ca981f31" providerId="LiveId" clId="{917840C8-03E0-4A9C-A319-C7709AC35AB6}" dt="2017-11-19T01:16:40.778" v="1418" actId="20577"/>
+          <ac:chgData name="Jordan Coe" userId="39bdc042ca981f31" providerId="LiveId" clId="{917840C8-03E0-4A9C-A319-C7709AC35AB6}" dt="2017-11-27T22:24:16.954" v="1646" actId="20577"/>
           <ac:spMkLst>
             <pc:docMk/>
             <pc:sldMk cId="1560029696" sldId="269"/>
@@ -726,13 +741,13 @@
         </pc:spChg>
       </pc:sldChg>
       <pc:sldChg chg="modSp">
-        <pc:chgData name="Jordan Coe" userId="39bdc042ca981f31" providerId="LiveId" clId="{917840C8-03E0-4A9C-A319-C7709AC35AB6}" dt="2017-11-19T01:17:20.084" v="1433" actId="20577"/>
+        <pc:chgData name="Jordan Coe" userId="39bdc042ca981f31" providerId="LiveId" clId="{917840C8-03E0-4A9C-A319-C7709AC35AB6}" dt="2017-11-27T22:25:31.407" v="1655" actId="20577"/>
         <pc:sldMkLst>
           <pc:docMk/>
           <pc:sldMk cId="201249221" sldId="273"/>
         </pc:sldMkLst>
         <pc:spChg chg="mod">
-          <ac:chgData name="Jordan Coe" userId="39bdc042ca981f31" providerId="LiveId" clId="{917840C8-03E0-4A9C-A319-C7709AC35AB6}" dt="2017-11-19T01:17:20.084" v="1433" actId="20577"/>
+          <ac:chgData name="Jordan Coe" userId="39bdc042ca981f31" providerId="LiveId" clId="{917840C8-03E0-4A9C-A319-C7709AC35AB6}" dt="2017-11-27T22:25:31.407" v="1655" actId="20577"/>
           <ac:spMkLst>
             <pc:docMk/>
             <pc:sldMk cId="201249221" sldId="273"/>
@@ -922,7 +937,7 @@
           <a:p>
             <a:fld id="{4CB8761A-D97C-4ED5-8951-7058EB60185F}" type="datetimeFigureOut">
               <a:rPr lang="en-US" smtClean="0"/>
-              <a:t>11/18/2017</a:t>
+              <a:t>11/23/2017</a:t>
             </a:fld>
             <a:endParaRPr lang="en-US"/>
           </a:p>
@@ -1120,7 +1135,7 @@
           <a:p>
             <a:fld id="{4CB8761A-D97C-4ED5-8951-7058EB60185F}" type="datetimeFigureOut">
               <a:rPr lang="en-US" smtClean="0"/>
-              <a:t>11/18/2017</a:t>
+              <a:t>11/23/2017</a:t>
             </a:fld>
             <a:endParaRPr lang="en-US"/>
           </a:p>
@@ -1328,7 +1343,7 @@
           <a:p>
             <a:fld id="{4CB8761A-D97C-4ED5-8951-7058EB60185F}" type="datetimeFigureOut">
               <a:rPr lang="en-US" smtClean="0"/>
-              <a:t>11/18/2017</a:t>
+              <a:t>11/23/2017</a:t>
             </a:fld>
             <a:endParaRPr lang="en-US"/>
           </a:p>
@@ -1526,7 +1541,7 @@
           <a:p>
             <a:fld id="{4CB8761A-D97C-4ED5-8951-7058EB60185F}" type="datetimeFigureOut">
               <a:rPr lang="en-US" smtClean="0"/>
-              <a:t>11/18/2017</a:t>
+              <a:t>11/23/2017</a:t>
             </a:fld>
             <a:endParaRPr lang="en-US"/>
           </a:p>
@@ -1801,7 +1816,7 @@
           <a:p>
             <a:fld id="{4CB8761A-D97C-4ED5-8951-7058EB60185F}" type="datetimeFigureOut">
               <a:rPr lang="en-US" smtClean="0"/>
-              <a:t>11/18/2017</a:t>
+              <a:t>11/23/2017</a:t>
             </a:fld>
             <a:endParaRPr lang="en-US"/>
           </a:p>
@@ -2066,7 +2081,7 @@
           <a:p>
             <a:fld id="{4CB8761A-D97C-4ED5-8951-7058EB60185F}" type="datetimeFigureOut">
               <a:rPr lang="en-US" smtClean="0"/>
-              <a:t>11/18/2017</a:t>
+              <a:t>11/23/2017</a:t>
             </a:fld>
             <a:endParaRPr lang="en-US"/>
           </a:p>
@@ -2478,7 +2493,7 @@
           <a:p>
             <a:fld id="{4CB8761A-D97C-4ED5-8951-7058EB60185F}" type="datetimeFigureOut">
               <a:rPr lang="en-US" smtClean="0"/>
-              <a:t>11/18/2017</a:t>
+              <a:t>11/23/2017</a:t>
             </a:fld>
             <a:endParaRPr lang="en-US"/>
           </a:p>
@@ -2619,7 +2634,7 @@
           <a:p>
             <a:fld id="{4CB8761A-D97C-4ED5-8951-7058EB60185F}" type="datetimeFigureOut">
               <a:rPr lang="en-US" smtClean="0"/>
-              <a:t>11/18/2017</a:t>
+              <a:t>11/23/2017</a:t>
             </a:fld>
             <a:endParaRPr lang="en-US"/>
           </a:p>
@@ -2732,7 +2747,7 @@
           <a:p>
             <a:fld id="{4CB8761A-D97C-4ED5-8951-7058EB60185F}" type="datetimeFigureOut">
               <a:rPr lang="en-US" smtClean="0"/>
-              <a:t>11/18/2017</a:t>
+              <a:t>11/23/2017</a:t>
             </a:fld>
             <a:endParaRPr lang="en-US"/>
           </a:p>
@@ -3043,7 +3058,7 @@
           <a:p>
             <a:fld id="{4CB8761A-D97C-4ED5-8951-7058EB60185F}" type="datetimeFigureOut">
               <a:rPr lang="en-US" smtClean="0"/>
-              <a:t>11/18/2017</a:t>
+              <a:t>11/23/2017</a:t>
             </a:fld>
             <a:endParaRPr lang="en-US"/>
           </a:p>
@@ -3331,7 +3346,7 @@
           <a:p>
             <a:fld id="{4CB8761A-D97C-4ED5-8951-7058EB60185F}" type="datetimeFigureOut">
               <a:rPr lang="en-US" smtClean="0"/>
-              <a:t>11/18/2017</a:t>
+              <a:t>11/23/2017</a:t>
             </a:fld>
             <a:endParaRPr lang="en-US"/>
           </a:p>
@@ -3572,7 +3587,7 @@
           <a:p>
             <a:fld id="{4CB8761A-D97C-4ED5-8951-7058EB60185F}" type="datetimeFigureOut">
               <a:rPr lang="en-US" smtClean="0"/>
-              <a:t>11/18/2017</a:t>
+              <a:t>11/23/2017</a:t>
             </a:fld>
             <a:endParaRPr lang="en-US"/>
           </a:p>
@@ -4547,7 +4562,7 @@
             </a:r>
             <a:r>
               <a:rPr lang="en-US" dirty="0"/>
-              <a:t> will enter the item and quantity that he will restock. If the item doesn’t exist, he will insert the description into the database.</a:t>
+              <a:t> will enter the item and quantity that he will restock. If the item doesn’t exist, the item will be added to the database.</a:t>
             </a:r>
           </a:p>
           <a:p>
@@ -4946,7 +4961,7 @@
           <a:p>
             <a:r>
               <a:rPr lang="en-US" dirty="0"/>
-              <a:t>Description: View/Update Product Inventory will have the manager as the actor. The manager will be able to view all products within the inventory and will be able to update the description and discount info of particular products</a:t>
+              <a:t>Description: View/Update Product Inventory will have the manager as the actor. The manager will be able to view all products within the inventory and will be able to update the price, description, and discount info of particular products.</a:t>
             </a:r>
           </a:p>
           <a:p>
@@ -6262,7 +6277,7 @@
         </p:blipFill>
         <p:spPr>
           <a:xfrm>
-            <a:off x="1928813" y="1510605"/>
+            <a:off x="1928813" y="1553469"/>
             <a:ext cx="7758112" cy="4982270"/>
           </a:xfrm>
           <a:prstGeom prst="rect">

--- a/Automated Supermarket Checkout System (AutoScouts).pptx
+++ b/Automated Supermarket Checkout System (AutoScouts).pptx
@@ -265,7 +265,7 @@
         </pc:picChg>
       </pc:sldChg>
       <pc:sldChg chg="addSp delSp modSp ord">
-        <pc:chgData name="Jordan Coe" userId="39bdc042ca981f31" providerId="LiveId" clId="{F7A0F200-3B9F-4606-9110-7D58402D1763}" dt="2017-11-09T22:13:17.748" v="32"/>
+        <pc:chgData name="Jordan Coe" userId="39bdc042ca981f31" providerId="LiveId" clId="{F7A0F200-3B9F-4606-9110-7D58402D1763}" dt="2017-11-09T22:13:17.748" v="32" actId="14100"/>
         <pc:sldMkLst>
           <pc:docMk/>
           <pc:sldMk cId="682307630" sldId="264"/>
@@ -673,6 +673,135 @@
       </pc:sldChg>
     </pc:docChg>
   </pc:docChgLst>
+  <pc:docChgLst>
+    <pc:chgData name="Jordan Coe" userId="39bdc042ca981f31" providerId="LiveId" clId="{917840C8-03E0-4A9C-A319-C7709AC35AB6}"/>
+    <pc:docChg chg="custSel modSld">
+      <pc:chgData name="Jordan Coe" userId="39bdc042ca981f31" providerId="LiveId" clId="{917840C8-03E0-4A9C-A319-C7709AC35AB6}" dt="2017-11-29T23:22:36.843" v="1661" actId="1076"/>
+      <pc:docMkLst>
+        <pc:docMk/>
+      </pc:docMkLst>
+      <pc:sldChg chg="modSp">
+        <pc:chgData name="Jordan Coe" userId="39bdc042ca981f31" providerId="LiveId" clId="{917840C8-03E0-4A9C-A319-C7709AC35AB6}" dt="2017-11-29T22:17:29.860" v="1658" actId="1036"/>
+        <pc:sldMkLst>
+          <pc:docMk/>
+          <pc:sldMk cId="483830210" sldId="258"/>
+        </pc:sldMkLst>
+        <pc:picChg chg="mod">
+          <ac:chgData name="Jordan Coe" userId="39bdc042ca981f31" providerId="LiveId" clId="{917840C8-03E0-4A9C-A319-C7709AC35AB6}" dt="2017-11-29T22:17:29.860" v="1658" actId="1036"/>
+          <ac:picMkLst>
+            <pc:docMk/>
+            <pc:sldMk cId="483830210" sldId="258"/>
+            <ac:picMk id="4" creationId="{5A3E3EB2-499B-40A8-9EC6-E95DE753E431}"/>
+          </ac:picMkLst>
+        </pc:picChg>
+      </pc:sldChg>
+      <pc:sldChg chg="modSp">
+        <pc:chgData name="Jordan Coe" userId="39bdc042ca981f31" providerId="LiveId" clId="{917840C8-03E0-4A9C-A319-C7709AC35AB6}" dt="2017-11-29T23:22:36.843" v="1661" actId="1076"/>
+        <pc:sldMkLst>
+          <pc:docMk/>
+          <pc:sldMk cId="3786396986" sldId="260"/>
+        </pc:sldMkLst>
+        <pc:picChg chg="mod">
+          <ac:chgData name="Jordan Coe" userId="39bdc042ca981f31" providerId="LiveId" clId="{917840C8-03E0-4A9C-A319-C7709AC35AB6}" dt="2017-11-29T23:22:36.843" v="1661" actId="1076"/>
+          <ac:picMkLst>
+            <pc:docMk/>
+            <pc:sldMk cId="3786396986" sldId="260"/>
+            <ac:picMk id="4" creationId="{C658E6D4-DBA2-4828-AFB8-2219BF9BE9C3}"/>
+          </ac:picMkLst>
+        </pc:picChg>
+      </pc:sldChg>
+      <pc:sldChg chg="modSp">
+        <pc:chgData name="Jordan Coe" userId="39bdc042ca981f31" providerId="LiveId" clId="{917840C8-03E0-4A9C-A319-C7709AC35AB6}" dt="2017-11-19T00:43:10.766" v="379" actId="20577"/>
+        <pc:sldMkLst>
+          <pc:docMk/>
+          <pc:sldMk cId="1745765354" sldId="261"/>
+        </pc:sldMkLst>
+        <pc:spChg chg="mod">
+          <ac:chgData name="Jordan Coe" userId="39bdc042ca981f31" providerId="LiveId" clId="{917840C8-03E0-4A9C-A319-C7709AC35AB6}" dt="2017-11-19T00:43:10.766" v="379" actId="20577"/>
+          <ac:spMkLst>
+            <pc:docMk/>
+            <pc:sldMk cId="1745765354" sldId="261"/>
+            <ac:spMk id="3" creationId="{77E96D7F-6D16-494B-98E4-B109EF785639}"/>
+          </ac:spMkLst>
+        </pc:spChg>
+      </pc:sldChg>
+      <pc:sldChg chg="modSp">
+        <pc:chgData name="Jordan Coe" userId="39bdc042ca981f31" providerId="LiveId" clId="{917840C8-03E0-4A9C-A319-C7709AC35AB6}" dt="2017-11-19T01:07:07.040" v="965" actId="20577"/>
+        <pc:sldMkLst>
+          <pc:docMk/>
+          <pc:sldMk cId="3881356155" sldId="265"/>
+        </pc:sldMkLst>
+        <pc:spChg chg="mod">
+          <ac:chgData name="Jordan Coe" userId="39bdc042ca981f31" providerId="LiveId" clId="{917840C8-03E0-4A9C-A319-C7709AC35AB6}" dt="2017-11-19T01:07:07.040" v="965" actId="20577"/>
+          <ac:spMkLst>
+            <pc:docMk/>
+            <pc:sldMk cId="3881356155" sldId="265"/>
+            <ac:spMk id="3" creationId="{16A37D4E-6B97-4AC1-8165-F8292C09D4F1}"/>
+          </ac:spMkLst>
+        </pc:spChg>
+      </pc:sldChg>
+      <pc:sldChg chg="modSp">
+        <pc:chgData name="Jordan Coe" userId="39bdc042ca981f31" providerId="LiveId" clId="{917840C8-03E0-4A9C-A319-C7709AC35AB6}" dt="2017-11-27T22:24:16.954" v="1646" actId="20577"/>
+        <pc:sldMkLst>
+          <pc:docMk/>
+          <pc:sldMk cId="1560029696" sldId="269"/>
+        </pc:sldMkLst>
+        <pc:spChg chg="mod">
+          <ac:chgData name="Jordan Coe" userId="39bdc042ca981f31" providerId="LiveId" clId="{917840C8-03E0-4A9C-A319-C7709AC35AB6}" dt="2017-11-27T22:24:16.954" v="1646" actId="20577"/>
+          <ac:spMkLst>
+            <pc:docMk/>
+            <pc:sldMk cId="1560029696" sldId="269"/>
+            <ac:spMk id="3" creationId="{AC5F03CF-E278-4C09-B221-16448F502E21}"/>
+          </ac:spMkLst>
+        </pc:spChg>
+      </pc:sldChg>
+      <pc:sldChg chg="modSp">
+        <pc:chgData name="Jordan Coe" userId="39bdc042ca981f31" providerId="LiveId" clId="{917840C8-03E0-4A9C-A319-C7709AC35AB6}" dt="2017-11-27T22:25:31.407" v="1655" actId="20577"/>
+        <pc:sldMkLst>
+          <pc:docMk/>
+          <pc:sldMk cId="201249221" sldId="273"/>
+        </pc:sldMkLst>
+        <pc:spChg chg="mod">
+          <ac:chgData name="Jordan Coe" userId="39bdc042ca981f31" providerId="LiveId" clId="{917840C8-03E0-4A9C-A319-C7709AC35AB6}" dt="2017-11-27T22:25:31.407" v="1655" actId="20577"/>
+          <ac:spMkLst>
+            <pc:docMk/>
+            <pc:sldMk cId="201249221" sldId="273"/>
+            <ac:spMk id="3" creationId="{058C8FFA-7080-4EA4-84AD-CAA69E355B9F}"/>
+          </ac:spMkLst>
+        </pc:spChg>
+      </pc:sldChg>
+      <pc:sldChg chg="modSp">
+        <pc:chgData name="Jordan Coe" userId="39bdc042ca981f31" providerId="LiveId" clId="{917840C8-03E0-4A9C-A319-C7709AC35AB6}" dt="2017-11-19T01:23:08.161" v="1571" actId="20577"/>
+        <pc:sldMkLst>
+          <pc:docMk/>
+          <pc:sldMk cId="4021258348" sldId="277"/>
+        </pc:sldMkLst>
+        <pc:spChg chg="mod">
+          <ac:chgData name="Jordan Coe" userId="39bdc042ca981f31" providerId="LiveId" clId="{917840C8-03E0-4A9C-A319-C7709AC35AB6}" dt="2017-11-19T01:23:08.161" v="1571" actId="20577"/>
+          <ac:spMkLst>
+            <pc:docMk/>
+            <pc:sldMk cId="4021258348" sldId="277"/>
+            <ac:spMk id="3" creationId="{3375A4C5-24C8-4542-A1B9-424846409936}"/>
+          </ac:spMkLst>
+        </pc:spChg>
+      </pc:sldChg>
+      <pc:sldChg chg="modSp">
+        <pc:chgData name="Jordan Coe" userId="39bdc042ca981f31" providerId="LiveId" clId="{917840C8-03E0-4A9C-A319-C7709AC35AB6}" dt="2017-11-19T01:27:44.121" v="1607" actId="20577"/>
+        <pc:sldMkLst>
+          <pc:docMk/>
+          <pc:sldMk cId="2974739886" sldId="280"/>
+        </pc:sldMkLst>
+        <pc:spChg chg="mod">
+          <ac:chgData name="Jordan Coe" userId="39bdc042ca981f31" providerId="LiveId" clId="{917840C8-03E0-4A9C-A319-C7709AC35AB6}" dt="2017-11-19T01:27:44.121" v="1607" actId="20577"/>
+          <ac:spMkLst>
+            <pc:docMk/>
+            <pc:sldMk cId="2974739886" sldId="280"/>
+            <ac:spMk id="3" creationId="{7749A04D-1A7E-444D-BA31-5DDFCA67A626}"/>
+          </ac:spMkLst>
+        </pc:spChg>
+      </pc:sldChg>
+    </pc:docChg>
+  </pc:docChgLst>
 </pc:chgInfo>
 </file>
 
@@ -823,7 +952,7 @@
           <a:p>
             <a:fld id="{4CB8761A-D97C-4ED5-8951-7058EB60185F}" type="datetimeFigureOut">
               <a:rPr lang="en-US" smtClean="0"/>
-              <a:t>11/9/2017</a:t>
+              <a:t>11/23/2017</a:t>
             </a:fld>
             <a:endParaRPr lang="en-US"/>
           </a:p>
@@ -1021,7 +1150,7 @@
           <a:p>
             <a:fld id="{4CB8761A-D97C-4ED5-8951-7058EB60185F}" type="datetimeFigureOut">
               <a:rPr lang="en-US" smtClean="0"/>
-              <a:t>11/9/2017</a:t>
+              <a:t>11/23/2017</a:t>
             </a:fld>
             <a:endParaRPr lang="en-US"/>
           </a:p>
@@ -1229,7 +1358,7 @@
           <a:p>
             <a:fld id="{4CB8761A-D97C-4ED5-8951-7058EB60185F}" type="datetimeFigureOut">
               <a:rPr lang="en-US" smtClean="0"/>
-              <a:t>11/9/2017</a:t>
+              <a:t>11/23/2017</a:t>
             </a:fld>
             <a:endParaRPr lang="en-US"/>
           </a:p>
@@ -1427,7 +1556,7 @@
           <a:p>
             <a:fld id="{4CB8761A-D97C-4ED5-8951-7058EB60185F}" type="datetimeFigureOut">
               <a:rPr lang="en-US" smtClean="0"/>
-              <a:t>11/9/2017</a:t>
+              <a:t>11/23/2017</a:t>
             </a:fld>
             <a:endParaRPr lang="en-US"/>
           </a:p>
@@ -1702,7 +1831,7 @@
           <a:p>
             <a:fld id="{4CB8761A-D97C-4ED5-8951-7058EB60185F}" type="datetimeFigureOut">
               <a:rPr lang="en-US" smtClean="0"/>
-              <a:t>11/9/2017</a:t>
+              <a:t>11/23/2017</a:t>
             </a:fld>
             <a:endParaRPr lang="en-US"/>
           </a:p>
@@ -1967,7 +2096,7 @@
           <a:p>
             <a:fld id="{4CB8761A-D97C-4ED5-8951-7058EB60185F}" type="datetimeFigureOut">
               <a:rPr lang="en-US" smtClean="0"/>
-              <a:t>11/9/2017</a:t>
+              <a:t>11/23/2017</a:t>
             </a:fld>
             <a:endParaRPr lang="en-US"/>
           </a:p>
@@ -2379,7 +2508,7 @@
           <a:p>
             <a:fld id="{4CB8761A-D97C-4ED5-8951-7058EB60185F}" type="datetimeFigureOut">
               <a:rPr lang="en-US" smtClean="0"/>
-              <a:t>11/9/2017</a:t>
+              <a:t>11/23/2017</a:t>
             </a:fld>
             <a:endParaRPr lang="en-US"/>
           </a:p>
@@ -2520,7 +2649,7 @@
           <a:p>
             <a:fld id="{4CB8761A-D97C-4ED5-8951-7058EB60185F}" type="datetimeFigureOut">
               <a:rPr lang="en-US" smtClean="0"/>
-              <a:t>11/9/2017</a:t>
+              <a:t>11/23/2017</a:t>
             </a:fld>
             <a:endParaRPr lang="en-US"/>
           </a:p>
@@ -2633,7 +2762,7 @@
           <a:p>
             <a:fld id="{4CB8761A-D97C-4ED5-8951-7058EB60185F}" type="datetimeFigureOut">
               <a:rPr lang="en-US" smtClean="0"/>
-              <a:t>11/9/2017</a:t>
+              <a:t>11/23/2017</a:t>
             </a:fld>
             <a:endParaRPr lang="en-US"/>
           </a:p>
@@ -2944,7 +3073,7 @@
           <a:p>
             <a:fld id="{4CB8761A-D97C-4ED5-8951-7058EB60185F}" type="datetimeFigureOut">
               <a:rPr lang="en-US" smtClean="0"/>
-              <a:t>11/9/2017</a:t>
+              <a:t>11/23/2017</a:t>
             </a:fld>
             <a:endParaRPr lang="en-US"/>
           </a:p>
@@ -3232,7 +3361,7 @@
           <a:p>
             <a:fld id="{4CB8761A-D97C-4ED5-8951-7058EB60185F}" type="datetimeFigureOut">
               <a:rPr lang="en-US" smtClean="0"/>
-              <a:t>11/9/2017</a:t>
+              <a:t>11/23/2017</a:t>
             </a:fld>
             <a:endParaRPr lang="en-US"/>
           </a:p>
@@ -3473,7 +3602,7 @@
           <a:p>
             <a:fld id="{4CB8761A-D97C-4ED5-8951-7058EB60185F}" type="datetimeFigureOut">
               <a:rPr lang="en-US" smtClean="0"/>
-              <a:t>11/9/2017</a:t>
+              <a:t>11/23/2017</a:t>
             </a:fld>
             <a:endParaRPr lang="en-US"/>
           </a:p>
@@ -4057,22 +4186,14 @@
             <a:pPr lvl="1"/>
             <a:r>
               <a:rPr lang="en-US" dirty="0"/>
-              <a:t>&lt;&lt;Interface&gt;&gt; </a:t>
-            </a:r>
-            <a:r>
-              <a:rPr lang="en-US" dirty="0" err="1"/>
-              <a:t>PaybyCash</a:t>
-            </a:r>
+              <a:t>&lt;&lt;Interface&gt;&gt; Bit Coin Reader – User inserts cash or coins and the bit coin reader takes that cash and outputs the amount to the program</a:t>
+            </a:r>
+          </a:p>
+          <a:p>
+            <a:pPr lvl="1"/>
             <a:r>
               <a:rPr lang="en-US" dirty="0"/>
-              <a:t> – main interface of the Pay by Cash use case. This will tell the user the total of their purchase, and the user will insert cash. This will also print receipt and give change</a:t>
-            </a:r>
-          </a:p>
-          <a:p>
-            <a:pPr lvl="1"/>
-            <a:r>
-              <a:rPr lang="en-US" dirty="0"/>
-              <a:t>&lt;&lt;Interface&gt;&gt; Checkout Order – This class will do simple operations to give back change and to print receipt.</a:t>
+              <a:t>&lt;&lt;business logic&gt;&gt; Payment – Does some basic math, computes the change that will be given back to the customer, also prints the receipt that contains authorization number, payment info, and items bought</a:t>
             </a:r>
           </a:p>
         </p:txBody>
@@ -4456,7 +4577,7 @@
             </a:r>
             <a:r>
               <a:rPr lang="en-US" dirty="0"/>
-              <a:t> will enter the item and quantity that he will restock. If the item doesn’t exist, he will insert the description into the database.</a:t>
+              <a:t> will enter the item and quantity that he will restock. If the item doesn’t exist, the item will be added to the database.</a:t>
             </a:r>
           </a:p>
           <a:p>
@@ -4469,15 +4590,26 @@
             <a:pPr lvl="1"/>
             <a:r>
               <a:rPr lang="en-US" dirty="0"/>
-              <a:t>&lt;&lt;Interface&gt;&gt; Interface – This is the main interface for the restock product inventory use case. This will allow the user to enter the item name, quantity, it will also allow the user to enter item description and discount info if needed.</a:t>
+              <a:t>&lt;&lt;Interface&gt;&gt; Scanner – Scans the barcode of the item to look up item information.</a:t>
             </a:r>
           </a:p>
           <a:p>
             <a:pPr lvl="1"/>
             <a:r>
               <a:rPr lang="en-US" dirty="0"/>
-              <a:t>&lt;&lt;entity&gt;&gt; Inventory Database – Database for all the items in the store. Will update with the info from the interface class.</a:t>
-            </a:r>
+              <a:t>&lt;&lt;interface&gt;&gt; Interface – Interface is the basic interface that will display item information and allow the user to restock product inventory</a:t>
+            </a:r>
+          </a:p>
+          <a:p>
+            <a:pPr lvl="1"/>
+            <a:r>
+              <a:rPr lang="en-US" dirty="0"/>
+              <a:t>&lt;&lt;entity&gt;&gt; Inventory Database – Stores all inventory data. Allows for removal, addition, and change of items</a:t>
+            </a:r>
+          </a:p>
+          <a:p>
+            <a:pPr lvl="1"/>
+            <a:endParaRPr lang="en-US" dirty="0"/>
           </a:p>
         </p:txBody>
       </p:sp>
@@ -4844,7 +4976,7 @@
           <a:p>
             <a:r>
               <a:rPr lang="en-US" dirty="0"/>
-              <a:t>Description: View/Update Product Inventory will have the manager as the actor. The manager will be able to view all products within the inventory and will be able to update the description and discount info of particular products</a:t>
+              <a:t>Description: View/Update Product Inventory will have the manager as the actor. The manager will be able to view all products within the inventory and will be able to update the price, description, and discount info of particular products.</a:t>
             </a:r>
           </a:p>
           <a:p>
@@ -4857,7 +4989,7 @@
             <a:pPr lvl="1"/>
             <a:r>
               <a:rPr lang="en-US" dirty="0"/>
-              <a:t>&lt;&lt;interface&gt;&gt; View Interface – Is the main interface class. Will allow manager to input item name, description, and discount info. </a:t>
+              <a:t>&lt;&lt;interface&gt;&gt; View Inventory – Is the main interface class. Will allow manager to input item name, description, and discount info. </a:t>
             </a:r>
           </a:p>
           <a:p>
@@ -4865,13 +4997,6 @@
             <a:r>
               <a:rPr lang="en-US" dirty="0"/>
               <a:t>&lt;&lt;entity&gt;&gt; Inventory Database – Holds all item info. Will either output item details or update item details</a:t>
-            </a:r>
-          </a:p>
-          <a:p>
-            <a:pPr lvl="1"/>
-            <a:r>
-              <a:rPr lang="en-US" dirty="0"/>
-              <a:t>&lt;&lt;interface&gt;&gt; Update Interface – This is the intermediate class between view interface and inventory database. </a:t>
             </a:r>
           </a:p>
         </p:txBody>
@@ -5385,7 +5510,7 @@
             <a:pPr lvl="1"/>
             <a:r>
               <a:rPr lang="en-US" dirty="0"/>
-              <a:t>&lt;&lt;Control&gt;&gt; System – The system class will receive information about item sold and revenue. It will then send this information to the printer to get printed.</a:t>
+              <a:t>&lt;&lt;Control&gt;&gt; Timer Interface – The system class will receive information about item sold and revenue. It will then send this information to the printer to get printed.</a:t>
             </a:r>
           </a:p>
           <a:p>
@@ -5393,6 +5518,13 @@
             <a:r>
               <a:rPr lang="en-US" dirty="0"/>
               <a:t>&lt;&lt;Interface&gt;&gt; Printer – Hardware that will print the information given to it by the system at midnight.</a:t>
+            </a:r>
+          </a:p>
+          <a:p>
+            <a:pPr lvl="1"/>
+            <a:r>
+              <a:rPr lang="en-US" dirty="0"/>
+              <a:t>&lt;&lt;business logic&gt;&gt; Make Report- Creates the daily report by using data from the Inventory Database</a:t>
             </a:r>
           </a:p>
         </p:txBody>
@@ -5773,14 +5905,21 @@
             <a:pPr lvl="1"/>
             <a:r>
               <a:rPr lang="en-US" dirty="0"/>
-              <a:t>&lt;&lt;Interface&gt;&gt; Print Inventory Message – This class will receive the information to be printed, and send this information to the printer.</a:t>
+              <a:t>&lt;&lt;Control&gt;&gt; Timer Interface – The system class will receive information about item sold and revenue. It will then send this information to the printer to get printed.</a:t>
             </a:r>
           </a:p>
           <a:p>
             <a:pPr lvl="1"/>
             <a:r>
               <a:rPr lang="en-US" dirty="0"/>
-              <a:t>&lt;&lt;Interface&gt;&gt; Printer – Similar to the Print Daily Report, printer will receive information from Print Inventory Message to be printed at midnight.</a:t>
+              <a:t>&lt;&lt;Interface&gt;&gt; Printer – Hardware that will print the information given to it by the system at midnight.</a:t>
+            </a:r>
+          </a:p>
+          <a:p>
+            <a:pPr lvl="1"/>
+            <a:r>
+              <a:rPr lang="en-US" dirty="0"/>
+              <a:t>&lt;&lt;business logic&gt;&gt; Make Report- Creates the inventory message by using data from the Inventory Database</a:t>
             </a:r>
           </a:p>
         </p:txBody>
@@ -6153,7 +6292,7 @@
         </p:blipFill>
         <p:spPr>
           <a:xfrm>
-            <a:off x="1928813" y="1510605"/>
+            <a:off x="1928813" y="1553469"/>
             <a:ext cx="7758112" cy="4982270"/>
           </a:xfrm>
           <a:prstGeom prst="rect">
@@ -6341,7 +6480,7 @@
         </p:blipFill>
         <p:spPr>
           <a:xfrm>
-            <a:off x="971550" y="1388269"/>
+            <a:off x="666750" y="1456531"/>
             <a:ext cx="10086975" cy="5269706"/>
           </a:xfrm>
           <a:prstGeom prst="rect">
@@ -6443,14 +6582,21 @@
             <a:pPr lvl="1"/>
             <a:r>
               <a:rPr lang="en-US" dirty="0"/>
-              <a:t>&lt;&lt;Interface&gt;&gt; Credit Card Process – Interface that the user will interactive with, asks users to enter card info, then sends it to the bank to authorize. </a:t>
+              <a:t>&lt;&lt;business logic&gt;&gt; Credit Card Process –  That the user will interactive with, asks users to enter card info, then sends it to the bank to authorize. </a:t>
             </a:r>
           </a:p>
           <a:p>
             <a:pPr lvl="1"/>
             <a:r>
               <a:rPr lang="en-US" dirty="0"/>
-              <a:t>&lt;&lt;entity&gt;&gt; Bank Database – Bank database that will hold all the accounts. This will check if the users info matches with the info in the databases. </a:t>
+              <a:t>&lt;&lt;entity&gt;&gt; Bank Interface – Sends request to the bank for approval. Bank outputs confirmation number</a:t>
+            </a:r>
+          </a:p>
+          <a:p>
+            <a:pPr lvl="1"/>
+            <a:r>
+              <a:rPr lang="en-US" dirty="0"/>
+              <a:t>&lt;&lt;interface&gt;&gt; Credit Card Reader – Hardware object where the customer swipes the credit card and the object reads the account information</a:t>
             </a:r>
           </a:p>
         </p:txBody>
